--- a/PCF.pptx
+++ b/PCF.pptx
@@ -48,9 +48,12 @@
     <p:sldId id="303" r:id="rId42"/>
     <p:sldId id="310" r:id="rId43"/>
     <p:sldId id="309" r:id="rId44"/>
-    <p:sldId id="305" r:id="rId45"/>
-    <p:sldId id="306" r:id="rId46"/>
-    <p:sldId id="263" r:id="rId47"/>
+    <p:sldId id="311" r:id="rId45"/>
+    <p:sldId id="312" r:id="rId46"/>
+    <p:sldId id="313" r:id="rId47"/>
+    <p:sldId id="305" r:id="rId48"/>
+    <p:sldId id="306" r:id="rId49"/>
+    <p:sldId id="263" r:id="rId50"/>
   </p:sldIdLst>
   <p:sldSz cx="12192000" cy="6858000"/>
   <p:notesSz cx="6858000" cy="9144000"/>
@@ -395,7 +398,7 @@
           <a:p>
             <a:fld id="{ED291B17-9318-49DB-B28B-6E5994AE9581}" type="datetime1">
               <a:rPr lang="en-US" smtClean="0"/>
-              <a:t>12/17/2019</a:t>
+              <a:t>12/21/2019</a:t>
             </a:fld>
             <a:endParaRPr lang="en-US" dirty="0"/>
           </a:p>
@@ -598,7 +601,7 @@
           <a:p>
             <a:fld id="{2CED4963-E985-44C4-B8C4-FDD613B7C2F8}" type="datetime1">
               <a:rPr lang="en-US" smtClean="0"/>
-              <a:t>12/17/2019</a:t>
+              <a:t>12/21/2019</a:t>
             </a:fld>
             <a:endParaRPr lang="en-US" dirty="0"/>
           </a:p>
@@ -960,7 +963,7 @@
           <a:p>
             <a:fld id="{ED291B17-9318-49DB-B28B-6E5994AE9581}" type="datetime1">
               <a:rPr lang="en-US" smtClean="0"/>
-              <a:t>12/17/2019</a:t>
+              <a:t>12/21/2019</a:t>
             </a:fld>
             <a:endParaRPr lang="en-US" dirty="0"/>
           </a:p>
@@ -1158,7 +1161,7 @@
           <a:p>
             <a:fld id="{78DD82B9-B8EE-4375-B6FF-88FA6ABB15D9}" type="datetime1">
               <a:rPr lang="en-US" smtClean="0"/>
-              <a:t>12/17/2019</a:t>
+              <a:t>12/21/2019</a:t>
             </a:fld>
             <a:endParaRPr lang="en-US" dirty="0"/>
           </a:p>
@@ -1470,7 +1473,7 @@
           <a:p>
             <a:fld id="{B2497495-0637-405E-AE64-5CC7506D51F5}" type="datetime1">
               <a:rPr lang="en-US" smtClean="0"/>
-              <a:t>12/17/2019</a:t>
+              <a:t>12/21/2019</a:t>
             </a:fld>
             <a:endParaRPr lang="en-US" dirty="0"/>
           </a:p>
@@ -1723,7 +1726,7 @@
           <a:p>
             <a:fld id="{7BFFD690-9426-415D-8B65-26881E07B2D4}" type="datetime1">
               <a:rPr lang="en-US" smtClean="0"/>
-              <a:t>12/17/2019</a:t>
+              <a:t>12/21/2019</a:t>
             </a:fld>
             <a:endParaRPr lang="en-US" dirty="0"/>
           </a:p>
@@ -2145,7 +2148,7 @@
           <a:p>
             <a:fld id="{04C4989A-474C-40DE-95B9-011C28B71673}" type="datetime1">
               <a:rPr lang="en-US" smtClean="0"/>
-              <a:t>12/17/2019</a:t>
+              <a:t>12/21/2019</a:t>
             </a:fld>
             <a:endParaRPr lang="en-US" dirty="0"/>
           </a:p>
@@ -2268,7 +2271,7 @@
           <a:p>
             <a:fld id="{5DB4ED54-5B5E-4A04-93D3-5772E3CE3818}" type="datetime1">
               <a:rPr lang="en-US" smtClean="0"/>
-              <a:t>12/17/2019</a:t>
+              <a:t>12/21/2019</a:t>
             </a:fld>
             <a:endParaRPr lang="en-US" dirty="0"/>
           </a:p>
@@ -2363,7 +2366,7 @@
           <a:p>
             <a:fld id="{4EDE50D6-574B-40AF-946F-D52A04ADE379}" type="datetime1">
               <a:rPr lang="en-US" smtClean="0"/>
-              <a:t>12/17/2019</a:t>
+              <a:t>12/21/2019</a:t>
             </a:fld>
             <a:endParaRPr lang="en-US" dirty="0"/>
           </a:p>
@@ -2740,7 +2743,7 @@
           <a:p>
             <a:fld id="{D82884F1-FFEA-405F-9602-3DCA865EDA4E}" type="datetime1">
               <a:rPr lang="en-US" smtClean="0"/>
-              <a:t>12/17/2019</a:t>
+              <a:t>12/21/2019</a:t>
             </a:fld>
             <a:endParaRPr lang="en-US" dirty="0"/>
           </a:p>
@@ -3033,7 +3036,7 @@
           <a:p>
             <a:fld id="{7E18DB4A-8810-4A10-AD5C-D5E2C667F5B3}" type="datetime1">
               <a:rPr lang="en-US" smtClean="0"/>
-              <a:t>12/17/2019</a:t>
+              <a:t>12/21/2019</a:t>
             </a:fld>
             <a:endParaRPr lang="en-US" dirty="0"/>
           </a:p>
@@ -3248,7 +3251,7 @@
           <a:p>
             <a:fld id="{ED291B17-9318-49DB-B28B-6E5994AE9581}" type="datetime1">
               <a:rPr lang="en-US" smtClean="0"/>
-              <a:t>12/17/2019</a:t>
+              <a:t>12/21/2019</a:t>
             </a:fld>
             <a:endParaRPr lang="en-US" dirty="0"/>
           </a:p>
@@ -24190,7 +24193,7 @@
               <a:t> deployment</a:t>
             </a:r>
             <a:br>
-              <a:rPr lang="en-IN" sz="6000" b="1" dirty="0">
+              <a:rPr lang="en-IN" sz="6000" b="1">
                 <a:solidFill>
                   <a:srgbClr val="FF0000"/>
                 </a:solidFill>
@@ -24198,13 +24201,13 @@
               </a:rPr>
             </a:br>
             <a:r>
-              <a:rPr lang="en-IN" sz="6000" b="1" dirty="0">
+              <a:rPr lang="en-IN" sz="6000" b="1">
                 <a:solidFill>
                   <a:srgbClr val="FF0000"/>
                 </a:solidFill>
                 <a:latin typeface="Algerian" panose="04020705040A02060702" pitchFamily="82" charset="0"/>
               </a:rPr>
-              <a:t>in PCF</a:t>
+              <a:t>with PCF cli</a:t>
             </a:r>
             <a:endParaRPr lang="en-IN" sz="3200" b="1" dirty="0">
               <a:solidFill>
@@ -26179,13 +26182,57 @@
           <a:p>
             <a:pPr algn="ctr"/>
             <a:r>
-              <a:rPr lang="en-IN" sz="7200" b="1" dirty="0">
+              <a:rPr lang="en-IN" sz="6000" b="1" dirty="0">
+                <a:solidFill>
+                  <a:srgbClr val="0070C0"/>
+                </a:solidFill>
+                <a:latin typeface="Algerian" panose="04020705040A02060702" pitchFamily="82" charset="0"/>
+              </a:rPr>
+              <a:t>Blue</a:t>
+            </a:r>
+            <a:r>
+              <a:rPr lang="en-IN" sz="6000" b="1" dirty="0">
                 <a:solidFill>
                   <a:srgbClr val="FF0000"/>
                 </a:solidFill>
                 <a:latin typeface="Algerian" panose="04020705040A02060702" pitchFamily="82" charset="0"/>
               </a:rPr>
-              <a:t>Services in PCF</a:t>
+              <a:t> </a:t>
+            </a:r>
+            <a:r>
+              <a:rPr lang="en-IN" sz="6000" b="1" dirty="0">
+                <a:solidFill>
+                  <a:srgbClr val="00B050"/>
+                </a:solidFill>
+                <a:latin typeface="Algerian" panose="04020705040A02060702" pitchFamily="82" charset="0"/>
+              </a:rPr>
+              <a:t>green</a:t>
+            </a:r>
+            <a:r>
+              <a:rPr lang="en-IN" sz="6000" b="1" dirty="0">
+                <a:solidFill>
+                  <a:srgbClr val="FF0000"/>
+                </a:solidFill>
+                <a:latin typeface="Algerian" panose="04020705040A02060702" pitchFamily="82" charset="0"/>
+              </a:rPr>
+              <a:t> deployment</a:t>
+            </a:r>
+            <a:br>
+              <a:rPr lang="en-IN" sz="6000" b="1" dirty="0">
+                <a:solidFill>
+                  <a:srgbClr val="FF0000"/>
+                </a:solidFill>
+                <a:latin typeface="Algerian" panose="04020705040A02060702" pitchFamily="82" charset="0"/>
+              </a:rPr>
+            </a:br>
+            <a:r>
+              <a:rPr lang="en-IN" sz="6000" b="1" dirty="0">
+                <a:solidFill>
+                  <a:srgbClr val="FF0000"/>
+                </a:solidFill>
+                <a:latin typeface="Algerian" panose="04020705040A02060702" pitchFamily="82" charset="0"/>
+              </a:rPr>
+              <a:t>with PCF dashboard</a:t>
             </a:r>
             <a:endParaRPr lang="en-IN" sz="3200" b="1" dirty="0">
               <a:solidFill>
@@ -26478,7 +26525,7 @@
     </p:spTree>
     <p:extLst>
       <p:ext uri="{BB962C8B-B14F-4D97-AF65-F5344CB8AC3E}">
-        <p14:creationId xmlns:p14="http://schemas.microsoft.com/office/powerpoint/2010/main" val="1804213466"/>
+        <p14:creationId xmlns:p14="http://schemas.microsoft.com/office/powerpoint/2010/main" val="52156233"/>
       </p:ext>
     </p:extLst>
   </p:cSld>
@@ -26522,6 +26569,10 @@
           </p:nvPr>
         </p:nvSpPr>
         <p:spPr>
+          <a:xfrm>
+            <a:off x="581192" y="683106"/>
+            <a:ext cx="11029616" cy="755169"/>
+          </a:xfrm>
           <a:solidFill>
             <a:schemeClr val="accent2">
               <a:lumMod val="20000"/>
@@ -26535,7 +26586,7 @@
           <a:p>
             <a:r>
               <a:rPr lang="en-IN" dirty="0"/>
-              <a:t>Services</a:t>
+              <a:t>Checklist – steps to perform</a:t>
             </a:r>
           </a:p>
         </p:txBody>
@@ -26557,6 +26608,10 @@
           </p:nvPr>
         </p:nvSpPr>
         <p:spPr>
+          <a:xfrm>
+            <a:off x="581193" y="1619250"/>
+            <a:ext cx="5305258" cy="5238750"/>
+          </a:xfrm>
           <a:solidFill>
             <a:schemeClr val="accent5">
               <a:lumMod val="20000"/>
@@ -26570,15 +26625,299 @@
           </a:bodyPr>
           <a:lstStyle/>
           <a:p>
+            <a:pPr marL="457200" indent="-457200">
+              <a:buFont typeface="+mj-lt"/>
+              <a:buAutoNum type="arabicPeriod"/>
+            </a:pPr>
+            <a:r>
+              <a:rPr lang="en-IN" sz="2000" dirty="0">
+                <a:solidFill>
+                  <a:srgbClr val="00B0F0"/>
+                </a:solidFill>
+              </a:rPr>
+              <a:t>Blue-version1</a:t>
+            </a:r>
             <a:r>
               <a:rPr lang="en-IN" sz="2000" dirty="0"/>
-              <a:t>Marketplaces</a:t>
-            </a:r>
-          </a:p>
-          <a:p>
+              <a:t> is in production – R1</a:t>
+            </a:r>
+          </a:p>
+          <a:p>
+            <a:pPr marL="457200" indent="-457200">
+              <a:buFont typeface="+mj-lt"/>
+              <a:buAutoNum type="arabicPeriod"/>
+            </a:pPr>
             <a:r>
               <a:rPr lang="en-IN" sz="2000" dirty="0"/>
-              <a:t>User defined</a:t>
+              <a:t>Deploy </a:t>
+            </a:r>
+            <a:r>
+              <a:rPr lang="en-IN" sz="2000" dirty="0">
+                <a:solidFill>
+                  <a:srgbClr val="00B050"/>
+                </a:solidFill>
+              </a:rPr>
+              <a:t>green-version2</a:t>
+            </a:r>
+            <a:r>
+              <a:rPr lang="en-IN" sz="2000" dirty="0"/>
+              <a:t> – it will get some route – R2</a:t>
+            </a:r>
+          </a:p>
+          <a:p>
+            <a:pPr marL="457200" indent="-457200">
+              <a:buFont typeface="+mj-lt"/>
+              <a:buAutoNum type="arabicPeriod"/>
+            </a:pPr>
+            <a:r>
+              <a:rPr lang="en-IN" sz="2000" dirty="0"/>
+              <a:t>Now map R1 to </a:t>
+            </a:r>
+            <a:r>
+              <a:rPr lang="en-IN" sz="2000" b="1" dirty="0">
+                <a:solidFill>
+                  <a:srgbClr val="00B050"/>
+                </a:solidFill>
+              </a:rPr>
+              <a:t>green-version2</a:t>
+            </a:r>
+            <a:r>
+              <a:rPr lang="en-IN" sz="2000" dirty="0"/>
+              <a:t>, so now </a:t>
+            </a:r>
+            <a:r>
+              <a:rPr lang="en-IN" sz="2000" b="1" dirty="0">
+                <a:solidFill>
+                  <a:srgbClr val="00B050"/>
+                </a:solidFill>
+              </a:rPr>
+              <a:t>green-version2</a:t>
+            </a:r>
+            <a:r>
+              <a:rPr lang="en-IN" sz="2000" dirty="0"/>
+              <a:t> has – R1 &amp; R2</a:t>
+            </a:r>
+          </a:p>
+          <a:p>
+            <a:pPr marL="457200" indent="-457200">
+              <a:buFont typeface="+mj-lt"/>
+              <a:buAutoNum type="arabicPeriod"/>
+            </a:pPr>
+            <a:r>
+              <a:rPr lang="en-IN" sz="2000" dirty="0"/>
+              <a:t>Un-map R2 from </a:t>
+            </a:r>
+            <a:r>
+              <a:rPr lang="en-IN" sz="2000" b="1" dirty="0">
+                <a:solidFill>
+                  <a:srgbClr val="00B050"/>
+                </a:solidFill>
+              </a:rPr>
+              <a:t>green-version2</a:t>
+            </a:r>
+          </a:p>
+          <a:p>
+            <a:pPr marL="457200" indent="-457200">
+              <a:buFont typeface="+mj-lt"/>
+              <a:buAutoNum type="arabicPeriod"/>
+            </a:pPr>
+            <a:r>
+              <a:rPr lang="en-IN" sz="2000" dirty="0"/>
+              <a:t>Un-map R1 from </a:t>
+            </a:r>
+            <a:r>
+              <a:rPr lang="en-IN" sz="2000" dirty="0">
+                <a:solidFill>
+                  <a:srgbClr val="00B0F0"/>
+                </a:solidFill>
+              </a:rPr>
+              <a:t>blue-version1</a:t>
+            </a:r>
+          </a:p>
+          <a:p>
+            <a:pPr marL="457200" indent="-457200">
+              <a:buFont typeface="+mj-lt"/>
+              <a:buAutoNum type="arabicPeriod"/>
+            </a:pPr>
+            <a:r>
+              <a:rPr lang="en-IN" sz="2000" dirty="0"/>
+              <a:t>Now R1 will send request to </a:t>
+            </a:r>
+            <a:r>
+              <a:rPr lang="en-IN" sz="2000" b="1" dirty="0">
+                <a:solidFill>
+                  <a:srgbClr val="00B050"/>
+                </a:solidFill>
+              </a:rPr>
+              <a:t>green-version2</a:t>
+            </a:r>
+            <a:r>
+              <a:rPr lang="en-IN" sz="2000" dirty="0"/>
+              <a:t> only</a:t>
+            </a:r>
+          </a:p>
+          <a:p>
+            <a:pPr marL="457200" indent="-457200">
+              <a:buFont typeface="+mj-lt"/>
+              <a:buAutoNum type="arabicPeriod"/>
+            </a:pPr>
+            <a:endParaRPr lang="en-IN" sz="2000" dirty="0"/>
+          </a:p>
+          <a:p>
+            <a:pPr marL="457200" indent="-457200">
+              <a:buFont typeface="+mj-lt"/>
+              <a:buAutoNum type="arabicPeriod"/>
+            </a:pPr>
+            <a:endParaRPr lang="en-IN" sz="2000" dirty="0"/>
+          </a:p>
+        </p:txBody>
+      </p:sp>
+      <p:sp>
+        <p:nvSpPr>
+          <p:cNvPr id="6" name="Rectangle 5">
+            <a:extLst>
+              <a:ext uri="{FF2B5EF4-FFF2-40B4-BE49-F238E27FC236}">
+                <a16:creationId xmlns:a16="http://schemas.microsoft.com/office/drawing/2014/main" id="{5D7E3CBB-2D5D-41AE-8F28-B58768757167}"/>
+              </a:ext>
+            </a:extLst>
+          </p:cNvPr>
+          <p:cNvSpPr/>
+          <p:nvPr/>
+        </p:nvSpPr>
+        <p:spPr>
+          <a:xfrm>
+            <a:off x="8562975" y="1514475"/>
+            <a:ext cx="3552825" cy="5086350"/>
+          </a:xfrm>
+          <a:prstGeom prst="rect">
+            <a:avLst/>
+          </a:prstGeom>
+        </p:spPr>
+        <p:style>
+          <a:lnRef idx="2">
+            <a:schemeClr val="accent1">
+              <a:shade val="50000"/>
+            </a:schemeClr>
+          </a:lnRef>
+          <a:fillRef idx="1">
+            <a:schemeClr val="accent1"/>
+          </a:fillRef>
+          <a:effectRef idx="0">
+            <a:schemeClr val="accent1"/>
+          </a:effectRef>
+          <a:fontRef idx="minor">
+            <a:schemeClr val="lt1"/>
+          </a:fontRef>
+        </p:style>
+        <p:txBody>
+          <a:bodyPr rtlCol="0" anchor="ctr"/>
+          <a:lstStyle/>
+          <a:p>
+            <a:pPr algn="ctr"/>
+            <a:endParaRPr lang="en-IN"/>
+          </a:p>
+        </p:txBody>
+      </p:sp>
+      <p:sp>
+        <p:nvSpPr>
+          <p:cNvPr id="4" name="Rectangle: Rounded Corners 3">
+            <a:extLst>
+              <a:ext uri="{FF2B5EF4-FFF2-40B4-BE49-F238E27FC236}">
+                <a16:creationId xmlns:a16="http://schemas.microsoft.com/office/drawing/2014/main" id="{CF22ED07-7251-4E56-BABE-BDD86DFD91A6}"/>
+              </a:ext>
+            </a:extLst>
+          </p:cNvPr>
+          <p:cNvSpPr/>
+          <p:nvPr/>
+        </p:nvSpPr>
+        <p:spPr>
+          <a:xfrm>
+            <a:off x="8982075" y="1752600"/>
+            <a:ext cx="2943224" cy="1676400"/>
+          </a:xfrm>
+          <a:prstGeom prst="roundRect">
+            <a:avLst/>
+          </a:prstGeom>
+          <a:solidFill>
+            <a:srgbClr val="00B0F0"/>
+          </a:solidFill>
+        </p:spPr>
+        <p:style>
+          <a:lnRef idx="2">
+            <a:schemeClr val="accent1">
+              <a:shade val="50000"/>
+            </a:schemeClr>
+          </a:lnRef>
+          <a:fillRef idx="1">
+            <a:schemeClr val="accent1"/>
+          </a:fillRef>
+          <a:effectRef idx="0">
+            <a:schemeClr val="accent1"/>
+          </a:effectRef>
+          <a:fontRef idx="minor">
+            <a:schemeClr val="lt1"/>
+          </a:fontRef>
+        </p:style>
+        <p:txBody>
+          <a:bodyPr rtlCol="0" anchor="ctr"/>
+          <a:lstStyle/>
+          <a:p>
+            <a:pPr algn="ctr"/>
+            <a:r>
+              <a:rPr lang="en-IN" sz="3200" dirty="0"/>
+              <a:t>blue-version1</a:t>
+            </a:r>
+          </a:p>
+        </p:txBody>
+      </p:sp>
+      <p:sp>
+        <p:nvSpPr>
+          <p:cNvPr id="5" name="Rectangle: Rounded Corners 4">
+            <a:extLst>
+              <a:ext uri="{FF2B5EF4-FFF2-40B4-BE49-F238E27FC236}">
+                <a16:creationId xmlns:a16="http://schemas.microsoft.com/office/drawing/2014/main" id="{75022E37-CFC6-4890-81D2-419B672585B3}"/>
+              </a:ext>
+            </a:extLst>
+          </p:cNvPr>
+          <p:cNvSpPr/>
+          <p:nvPr/>
+        </p:nvSpPr>
+        <p:spPr>
+          <a:xfrm>
+            <a:off x="8982075" y="4600574"/>
+            <a:ext cx="2943225" cy="1676399"/>
+          </a:xfrm>
+          <a:prstGeom prst="roundRect">
+            <a:avLst/>
+          </a:prstGeom>
+          <a:solidFill>
+            <a:srgbClr val="00B050"/>
+          </a:solidFill>
+        </p:spPr>
+        <p:style>
+          <a:lnRef idx="2">
+            <a:schemeClr val="accent1">
+              <a:shade val="50000"/>
+            </a:schemeClr>
+          </a:lnRef>
+          <a:fillRef idx="1">
+            <a:schemeClr val="accent1"/>
+          </a:fillRef>
+          <a:effectRef idx="0">
+            <a:schemeClr val="accent1"/>
+          </a:effectRef>
+          <a:fontRef idx="minor">
+            <a:schemeClr val="lt1"/>
+          </a:fontRef>
+        </p:style>
+        <p:txBody>
+          <a:bodyPr rtlCol="0" anchor="ctr"/>
+          <a:lstStyle/>
+          <a:p>
+            <a:pPr algn="ctr"/>
+            <a:r>
+              <a:rPr lang="en-IN" sz="3200" dirty="0"/>
+              <a:t>green-version2</a:t>
             </a:r>
           </a:p>
         </p:txBody>
@@ -26586,7 +26925,7 @@
     </p:spTree>
     <p:extLst>
       <p:ext uri="{BB962C8B-B14F-4D97-AF65-F5344CB8AC3E}">
-        <p14:creationId xmlns:p14="http://schemas.microsoft.com/office/powerpoint/2010/main" val="562554194"/>
+        <p14:creationId xmlns:p14="http://schemas.microsoft.com/office/powerpoint/2010/main" val="1128960174"/>
       </p:ext>
     </p:extLst>
   </p:cSld>
@@ -26909,6 +27248,466 @@
                                           <p:spTgt spid="3">
                                             <p:txEl>
                                               <p:pRg st="1" end="1"/>
+                                            </p:txEl>
+                                          </p:spTgt>
+                                        </p:tgtEl>
+                                        <p:attrNameLst>
+                                          <p:attrName>ppt_y</p:attrName>
+                                        </p:attrNameLst>
+                                      </p:cBhvr>
+                                      <p:tavLst>
+                                        <p:tav tm="0">
+                                          <p:val>
+                                            <p:strVal val="#ppt_y+.1"/>
+                                          </p:val>
+                                        </p:tav>
+                                        <p:tav tm="100000">
+                                          <p:val>
+                                            <p:strVal val="#ppt_y"/>
+                                          </p:val>
+                                        </p:tav>
+                                      </p:tavLst>
+                                    </p:anim>
+                                  </p:childTnLst>
+                                </p:cTn>
+                              </p:par>
+                            </p:childTnLst>
+                          </p:cTn>
+                        </p:par>
+                      </p:childTnLst>
+                    </p:cTn>
+                  </p:par>
+                  <p:par>
+                    <p:cTn id="24" fill="hold">
+                      <p:stCondLst>
+                        <p:cond delay="indefinite"/>
+                      </p:stCondLst>
+                      <p:childTnLst>
+                        <p:par>
+                          <p:cTn id="25" fill="hold">
+                            <p:stCondLst>
+                              <p:cond delay="0"/>
+                            </p:stCondLst>
+                            <p:childTnLst>
+                              <p:par>
+                                <p:cTn id="26" presetID="42" presetClass="entr" presetSubtype="0" fill="hold" grpId="0" nodeType="clickEffect">
+                                  <p:stCondLst>
+                                    <p:cond delay="0"/>
+                                  </p:stCondLst>
+                                  <p:childTnLst>
+                                    <p:set>
+                                      <p:cBhvr>
+                                        <p:cTn id="27" dur="1" fill="hold">
+                                          <p:stCondLst>
+                                            <p:cond delay="0"/>
+                                          </p:stCondLst>
+                                        </p:cTn>
+                                        <p:tgtEl>
+                                          <p:spTgt spid="3">
+                                            <p:txEl>
+                                              <p:pRg st="2" end="2"/>
+                                            </p:txEl>
+                                          </p:spTgt>
+                                        </p:tgtEl>
+                                        <p:attrNameLst>
+                                          <p:attrName>style.visibility</p:attrName>
+                                        </p:attrNameLst>
+                                      </p:cBhvr>
+                                      <p:to>
+                                        <p:strVal val="visible"/>
+                                      </p:to>
+                                    </p:set>
+                                    <p:animEffect transition="in" filter="fade">
+                                      <p:cBhvr>
+                                        <p:cTn id="28" dur="1000"/>
+                                        <p:tgtEl>
+                                          <p:spTgt spid="3">
+                                            <p:txEl>
+                                              <p:pRg st="2" end="2"/>
+                                            </p:txEl>
+                                          </p:spTgt>
+                                        </p:tgtEl>
+                                      </p:cBhvr>
+                                    </p:animEffect>
+                                    <p:anim calcmode="lin" valueType="num">
+                                      <p:cBhvr>
+                                        <p:cTn id="29" dur="1000" fill="hold"/>
+                                        <p:tgtEl>
+                                          <p:spTgt spid="3">
+                                            <p:txEl>
+                                              <p:pRg st="2" end="2"/>
+                                            </p:txEl>
+                                          </p:spTgt>
+                                        </p:tgtEl>
+                                        <p:attrNameLst>
+                                          <p:attrName>ppt_x</p:attrName>
+                                        </p:attrNameLst>
+                                      </p:cBhvr>
+                                      <p:tavLst>
+                                        <p:tav tm="0">
+                                          <p:val>
+                                            <p:strVal val="#ppt_x"/>
+                                          </p:val>
+                                        </p:tav>
+                                        <p:tav tm="100000">
+                                          <p:val>
+                                            <p:strVal val="#ppt_x"/>
+                                          </p:val>
+                                        </p:tav>
+                                      </p:tavLst>
+                                    </p:anim>
+                                    <p:anim calcmode="lin" valueType="num">
+                                      <p:cBhvr>
+                                        <p:cTn id="30" dur="1000" fill="hold"/>
+                                        <p:tgtEl>
+                                          <p:spTgt spid="3">
+                                            <p:txEl>
+                                              <p:pRg st="2" end="2"/>
+                                            </p:txEl>
+                                          </p:spTgt>
+                                        </p:tgtEl>
+                                        <p:attrNameLst>
+                                          <p:attrName>ppt_y</p:attrName>
+                                        </p:attrNameLst>
+                                      </p:cBhvr>
+                                      <p:tavLst>
+                                        <p:tav tm="0">
+                                          <p:val>
+                                            <p:strVal val="#ppt_y+.1"/>
+                                          </p:val>
+                                        </p:tav>
+                                        <p:tav tm="100000">
+                                          <p:val>
+                                            <p:strVal val="#ppt_y"/>
+                                          </p:val>
+                                        </p:tav>
+                                      </p:tavLst>
+                                    </p:anim>
+                                  </p:childTnLst>
+                                </p:cTn>
+                              </p:par>
+                            </p:childTnLst>
+                          </p:cTn>
+                        </p:par>
+                      </p:childTnLst>
+                    </p:cTn>
+                  </p:par>
+                  <p:par>
+                    <p:cTn id="31" fill="hold">
+                      <p:stCondLst>
+                        <p:cond delay="indefinite"/>
+                      </p:stCondLst>
+                      <p:childTnLst>
+                        <p:par>
+                          <p:cTn id="32" fill="hold">
+                            <p:stCondLst>
+                              <p:cond delay="0"/>
+                            </p:stCondLst>
+                            <p:childTnLst>
+                              <p:par>
+                                <p:cTn id="33" presetID="42" presetClass="entr" presetSubtype="0" fill="hold" grpId="0" nodeType="clickEffect">
+                                  <p:stCondLst>
+                                    <p:cond delay="0"/>
+                                  </p:stCondLst>
+                                  <p:childTnLst>
+                                    <p:set>
+                                      <p:cBhvr>
+                                        <p:cTn id="34" dur="1" fill="hold">
+                                          <p:stCondLst>
+                                            <p:cond delay="0"/>
+                                          </p:stCondLst>
+                                        </p:cTn>
+                                        <p:tgtEl>
+                                          <p:spTgt spid="3">
+                                            <p:txEl>
+                                              <p:pRg st="3" end="3"/>
+                                            </p:txEl>
+                                          </p:spTgt>
+                                        </p:tgtEl>
+                                        <p:attrNameLst>
+                                          <p:attrName>style.visibility</p:attrName>
+                                        </p:attrNameLst>
+                                      </p:cBhvr>
+                                      <p:to>
+                                        <p:strVal val="visible"/>
+                                      </p:to>
+                                    </p:set>
+                                    <p:animEffect transition="in" filter="fade">
+                                      <p:cBhvr>
+                                        <p:cTn id="35" dur="1000"/>
+                                        <p:tgtEl>
+                                          <p:spTgt spid="3">
+                                            <p:txEl>
+                                              <p:pRg st="3" end="3"/>
+                                            </p:txEl>
+                                          </p:spTgt>
+                                        </p:tgtEl>
+                                      </p:cBhvr>
+                                    </p:animEffect>
+                                    <p:anim calcmode="lin" valueType="num">
+                                      <p:cBhvr>
+                                        <p:cTn id="36" dur="1000" fill="hold"/>
+                                        <p:tgtEl>
+                                          <p:spTgt spid="3">
+                                            <p:txEl>
+                                              <p:pRg st="3" end="3"/>
+                                            </p:txEl>
+                                          </p:spTgt>
+                                        </p:tgtEl>
+                                        <p:attrNameLst>
+                                          <p:attrName>ppt_x</p:attrName>
+                                        </p:attrNameLst>
+                                      </p:cBhvr>
+                                      <p:tavLst>
+                                        <p:tav tm="0">
+                                          <p:val>
+                                            <p:strVal val="#ppt_x"/>
+                                          </p:val>
+                                        </p:tav>
+                                        <p:tav tm="100000">
+                                          <p:val>
+                                            <p:strVal val="#ppt_x"/>
+                                          </p:val>
+                                        </p:tav>
+                                      </p:tavLst>
+                                    </p:anim>
+                                    <p:anim calcmode="lin" valueType="num">
+                                      <p:cBhvr>
+                                        <p:cTn id="37" dur="1000" fill="hold"/>
+                                        <p:tgtEl>
+                                          <p:spTgt spid="3">
+                                            <p:txEl>
+                                              <p:pRg st="3" end="3"/>
+                                            </p:txEl>
+                                          </p:spTgt>
+                                        </p:tgtEl>
+                                        <p:attrNameLst>
+                                          <p:attrName>ppt_y</p:attrName>
+                                        </p:attrNameLst>
+                                      </p:cBhvr>
+                                      <p:tavLst>
+                                        <p:tav tm="0">
+                                          <p:val>
+                                            <p:strVal val="#ppt_y+.1"/>
+                                          </p:val>
+                                        </p:tav>
+                                        <p:tav tm="100000">
+                                          <p:val>
+                                            <p:strVal val="#ppt_y"/>
+                                          </p:val>
+                                        </p:tav>
+                                      </p:tavLst>
+                                    </p:anim>
+                                  </p:childTnLst>
+                                </p:cTn>
+                              </p:par>
+                            </p:childTnLst>
+                          </p:cTn>
+                        </p:par>
+                      </p:childTnLst>
+                    </p:cTn>
+                  </p:par>
+                  <p:par>
+                    <p:cTn id="38" fill="hold">
+                      <p:stCondLst>
+                        <p:cond delay="indefinite"/>
+                      </p:stCondLst>
+                      <p:childTnLst>
+                        <p:par>
+                          <p:cTn id="39" fill="hold">
+                            <p:stCondLst>
+                              <p:cond delay="0"/>
+                            </p:stCondLst>
+                            <p:childTnLst>
+                              <p:par>
+                                <p:cTn id="40" presetID="42" presetClass="entr" presetSubtype="0" fill="hold" grpId="0" nodeType="clickEffect">
+                                  <p:stCondLst>
+                                    <p:cond delay="0"/>
+                                  </p:stCondLst>
+                                  <p:childTnLst>
+                                    <p:set>
+                                      <p:cBhvr>
+                                        <p:cTn id="41" dur="1" fill="hold">
+                                          <p:stCondLst>
+                                            <p:cond delay="0"/>
+                                          </p:stCondLst>
+                                        </p:cTn>
+                                        <p:tgtEl>
+                                          <p:spTgt spid="3">
+                                            <p:txEl>
+                                              <p:pRg st="4" end="4"/>
+                                            </p:txEl>
+                                          </p:spTgt>
+                                        </p:tgtEl>
+                                        <p:attrNameLst>
+                                          <p:attrName>style.visibility</p:attrName>
+                                        </p:attrNameLst>
+                                      </p:cBhvr>
+                                      <p:to>
+                                        <p:strVal val="visible"/>
+                                      </p:to>
+                                    </p:set>
+                                    <p:animEffect transition="in" filter="fade">
+                                      <p:cBhvr>
+                                        <p:cTn id="42" dur="1000"/>
+                                        <p:tgtEl>
+                                          <p:spTgt spid="3">
+                                            <p:txEl>
+                                              <p:pRg st="4" end="4"/>
+                                            </p:txEl>
+                                          </p:spTgt>
+                                        </p:tgtEl>
+                                      </p:cBhvr>
+                                    </p:animEffect>
+                                    <p:anim calcmode="lin" valueType="num">
+                                      <p:cBhvr>
+                                        <p:cTn id="43" dur="1000" fill="hold"/>
+                                        <p:tgtEl>
+                                          <p:spTgt spid="3">
+                                            <p:txEl>
+                                              <p:pRg st="4" end="4"/>
+                                            </p:txEl>
+                                          </p:spTgt>
+                                        </p:tgtEl>
+                                        <p:attrNameLst>
+                                          <p:attrName>ppt_x</p:attrName>
+                                        </p:attrNameLst>
+                                      </p:cBhvr>
+                                      <p:tavLst>
+                                        <p:tav tm="0">
+                                          <p:val>
+                                            <p:strVal val="#ppt_x"/>
+                                          </p:val>
+                                        </p:tav>
+                                        <p:tav tm="100000">
+                                          <p:val>
+                                            <p:strVal val="#ppt_x"/>
+                                          </p:val>
+                                        </p:tav>
+                                      </p:tavLst>
+                                    </p:anim>
+                                    <p:anim calcmode="lin" valueType="num">
+                                      <p:cBhvr>
+                                        <p:cTn id="44" dur="1000" fill="hold"/>
+                                        <p:tgtEl>
+                                          <p:spTgt spid="3">
+                                            <p:txEl>
+                                              <p:pRg st="4" end="4"/>
+                                            </p:txEl>
+                                          </p:spTgt>
+                                        </p:tgtEl>
+                                        <p:attrNameLst>
+                                          <p:attrName>ppt_y</p:attrName>
+                                        </p:attrNameLst>
+                                      </p:cBhvr>
+                                      <p:tavLst>
+                                        <p:tav tm="0">
+                                          <p:val>
+                                            <p:strVal val="#ppt_y+.1"/>
+                                          </p:val>
+                                        </p:tav>
+                                        <p:tav tm="100000">
+                                          <p:val>
+                                            <p:strVal val="#ppt_y"/>
+                                          </p:val>
+                                        </p:tav>
+                                      </p:tavLst>
+                                    </p:anim>
+                                  </p:childTnLst>
+                                </p:cTn>
+                              </p:par>
+                            </p:childTnLst>
+                          </p:cTn>
+                        </p:par>
+                      </p:childTnLst>
+                    </p:cTn>
+                  </p:par>
+                  <p:par>
+                    <p:cTn id="45" fill="hold">
+                      <p:stCondLst>
+                        <p:cond delay="indefinite"/>
+                      </p:stCondLst>
+                      <p:childTnLst>
+                        <p:par>
+                          <p:cTn id="46" fill="hold">
+                            <p:stCondLst>
+                              <p:cond delay="0"/>
+                            </p:stCondLst>
+                            <p:childTnLst>
+                              <p:par>
+                                <p:cTn id="47" presetID="42" presetClass="entr" presetSubtype="0" fill="hold" grpId="0" nodeType="clickEffect">
+                                  <p:stCondLst>
+                                    <p:cond delay="0"/>
+                                  </p:stCondLst>
+                                  <p:childTnLst>
+                                    <p:set>
+                                      <p:cBhvr>
+                                        <p:cTn id="48" dur="1" fill="hold">
+                                          <p:stCondLst>
+                                            <p:cond delay="0"/>
+                                          </p:stCondLst>
+                                        </p:cTn>
+                                        <p:tgtEl>
+                                          <p:spTgt spid="3">
+                                            <p:txEl>
+                                              <p:pRg st="5" end="5"/>
+                                            </p:txEl>
+                                          </p:spTgt>
+                                        </p:tgtEl>
+                                        <p:attrNameLst>
+                                          <p:attrName>style.visibility</p:attrName>
+                                        </p:attrNameLst>
+                                      </p:cBhvr>
+                                      <p:to>
+                                        <p:strVal val="visible"/>
+                                      </p:to>
+                                    </p:set>
+                                    <p:animEffect transition="in" filter="fade">
+                                      <p:cBhvr>
+                                        <p:cTn id="49" dur="1000"/>
+                                        <p:tgtEl>
+                                          <p:spTgt spid="3">
+                                            <p:txEl>
+                                              <p:pRg st="5" end="5"/>
+                                            </p:txEl>
+                                          </p:spTgt>
+                                        </p:tgtEl>
+                                      </p:cBhvr>
+                                    </p:animEffect>
+                                    <p:anim calcmode="lin" valueType="num">
+                                      <p:cBhvr>
+                                        <p:cTn id="50" dur="1000" fill="hold"/>
+                                        <p:tgtEl>
+                                          <p:spTgt spid="3">
+                                            <p:txEl>
+                                              <p:pRg st="5" end="5"/>
+                                            </p:txEl>
+                                          </p:spTgt>
+                                        </p:tgtEl>
+                                        <p:attrNameLst>
+                                          <p:attrName>ppt_x</p:attrName>
+                                        </p:attrNameLst>
+                                      </p:cBhvr>
+                                      <p:tavLst>
+                                        <p:tav tm="0">
+                                          <p:val>
+                                            <p:strVal val="#ppt_x"/>
+                                          </p:val>
+                                        </p:tav>
+                                        <p:tav tm="100000">
+                                          <p:val>
+                                            <p:strVal val="#ppt_x"/>
+                                          </p:val>
+                                        </p:tav>
+                                      </p:tavLst>
+                                    </p:anim>
+                                    <p:anim calcmode="lin" valueType="num">
+                                      <p:cBhvr>
+                                        <p:cTn id="51" dur="1000" fill="hold"/>
+                                        <p:tgtEl>
+                                          <p:spTgt spid="3">
+                                            <p:txEl>
+                                              <p:pRg st="5" end="5"/>
                                             </p:txEl>
                                           </p:spTgt>
                                         </p:tgtEl>
@@ -26967,6 +27766,1236 @@
 </file>
 
 <file path=ppt/slides/slide46.xml><?xml version="1.0" encoding="utf-8"?>
+<p:sld xmlns:a="http://schemas.openxmlformats.org/drawingml/2006/main" xmlns:r="http://schemas.openxmlformats.org/officeDocument/2006/relationships" xmlns:p="http://schemas.openxmlformats.org/presentationml/2006/main">
+  <p:cSld>
+    <p:spTree>
+      <p:nvGrpSpPr>
+        <p:cNvPr id="1" name=""/>
+        <p:cNvGrpSpPr/>
+        <p:nvPr/>
+      </p:nvGrpSpPr>
+      <p:grpSpPr>
+        <a:xfrm>
+          <a:off x="0" y="0"/>
+          <a:ext cx="0" cy="0"/>
+          <a:chOff x="0" y="0"/>
+          <a:chExt cx="0" cy="0"/>
+        </a:xfrm>
+      </p:grpSpPr>
+      <p:sp>
+        <p:nvSpPr>
+          <p:cNvPr id="2" name="Title 1">
+            <a:extLst>
+              <a:ext uri="{FF2B5EF4-FFF2-40B4-BE49-F238E27FC236}">
+                <a16:creationId xmlns:a16="http://schemas.microsoft.com/office/drawing/2014/main" id="{CC467DF9-5121-449E-BE9E-D21B2DCC5F9D}"/>
+              </a:ext>
+            </a:extLst>
+          </p:cNvPr>
+          <p:cNvSpPr>
+            <a:spLocks noGrp="1"/>
+          </p:cNvSpPr>
+          <p:nvPr>
+            <p:ph type="title"/>
+          </p:nvPr>
+        </p:nvSpPr>
+        <p:spPr>
+          <a:solidFill>
+            <a:schemeClr val="accent2">
+              <a:lumMod val="20000"/>
+              <a:lumOff val="80000"/>
+            </a:schemeClr>
+          </a:solidFill>
+        </p:spPr>
+        <p:txBody>
+          <a:bodyPr/>
+          <a:lstStyle/>
+          <a:p>
+            <a:endParaRPr lang="en-IN" dirty="0"/>
+          </a:p>
+        </p:txBody>
+      </p:sp>
+      <p:sp>
+        <p:nvSpPr>
+          <p:cNvPr id="3" name="Content Placeholder 2">
+            <a:extLst>
+              <a:ext uri="{FF2B5EF4-FFF2-40B4-BE49-F238E27FC236}">
+                <a16:creationId xmlns:a16="http://schemas.microsoft.com/office/drawing/2014/main" id="{F37DD19B-0598-4B4D-BF8A-02BE9B5CF78E}"/>
+              </a:ext>
+            </a:extLst>
+          </p:cNvPr>
+          <p:cNvSpPr>
+            <a:spLocks noGrp="1"/>
+          </p:cNvSpPr>
+          <p:nvPr>
+            <p:ph idx="1"/>
+          </p:nvPr>
+        </p:nvSpPr>
+        <p:spPr>
+          <a:solidFill>
+            <a:schemeClr val="accent5">
+              <a:lumMod val="20000"/>
+              <a:lumOff val="80000"/>
+            </a:schemeClr>
+          </a:solidFill>
+        </p:spPr>
+        <p:txBody>
+          <a:bodyPr>
+            <a:normAutofit/>
+          </a:bodyPr>
+          <a:lstStyle/>
+          <a:p>
+            <a:r>
+              <a:rPr lang="en-IN" sz="2000" dirty="0">
+                <a:hlinkClick r:id="rId2"/>
+              </a:rPr>
+              <a:t>https://docs.cloudfoundry.org/devguide/deploy-apps/blue-green.html</a:t>
+            </a:r>
+            <a:endParaRPr lang="en-IN" sz="2000" dirty="0"/>
+          </a:p>
+        </p:txBody>
+      </p:sp>
+    </p:spTree>
+    <p:extLst>
+      <p:ext uri="{BB962C8B-B14F-4D97-AF65-F5344CB8AC3E}">
+        <p14:creationId xmlns:p14="http://schemas.microsoft.com/office/powerpoint/2010/main" val="2857714012"/>
+      </p:ext>
+    </p:extLst>
+  </p:cSld>
+  <p:clrMapOvr>
+    <a:masterClrMapping/>
+  </p:clrMapOvr>
+  <p:timing>
+    <p:tnLst>
+      <p:par>
+        <p:cTn id="1" dur="indefinite" restart="never" nodeType="tmRoot">
+          <p:childTnLst>
+            <p:seq concurrent="1" nextAc="seek">
+              <p:cTn id="2" dur="indefinite" nodeType="mainSeq">
+                <p:childTnLst>
+                  <p:par>
+                    <p:cTn id="3" fill="hold">
+                      <p:stCondLst>
+                        <p:cond delay="indefinite"/>
+                      </p:stCondLst>
+                      <p:childTnLst>
+                        <p:par>
+                          <p:cTn id="4" fill="hold">
+                            <p:stCondLst>
+                              <p:cond delay="0"/>
+                            </p:stCondLst>
+                            <p:childTnLst>
+                              <p:par>
+                                <p:cTn id="5" presetID="42" presetClass="entr" presetSubtype="0" fill="hold" grpId="0" nodeType="clickEffect">
+                                  <p:stCondLst>
+                                    <p:cond delay="0"/>
+                                  </p:stCondLst>
+                                  <p:childTnLst>
+                                    <p:set>
+                                      <p:cBhvr>
+                                        <p:cTn id="6" dur="1" fill="hold">
+                                          <p:stCondLst>
+                                            <p:cond delay="0"/>
+                                          </p:stCondLst>
+                                        </p:cTn>
+                                        <p:tgtEl>
+                                          <p:spTgt spid="3">
+                                            <p:bg/>
+                                          </p:spTgt>
+                                        </p:tgtEl>
+                                        <p:attrNameLst>
+                                          <p:attrName>style.visibility</p:attrName>
+                                        </p:attrNameLst>
+                                      </p:cBhvr>
+                                      <p:to>
+                                        <p:strVal val="visible"/>
+                                      </p:to>
+                                    </p:set>
+                                    <p:animEffect transition="in" filter="fade">
+                                      <p:cBhvr>
+                                        <p:cTn id="7" dur="1000"/>
+                                        <p:tgtEl>
+                                          <p:spTgt spid="3">
+                                            <p:bg/>
+                                          </p:spTgt>
+                                        </p:tgtEl>
+                                      </p:cBhvr>
+                                    </p:animEffect>
+                                    <p:anim calcmode="lin" valueType="num">
+                                      <p:cBhvr>
+                                        <p:cTn id="8" dur="1000" fill="hold"/>
+                                        <p:tgtEl>
+                                          <p:spTgt spid="3">
+                                            <p:bg/>
+                                          </p:spTgt>
+                                        </p:tgtEl>
+                                        <p:attrNameLst>
+                                          <p:attrName>ppt_x</p:attrName>
+                                        </p:attrNameLst>
+                                      </p:cBhvr>
+                                      <p:tavLst>
+                                        <p:tav tm="0">
+                                          <p:val>
+                                            <p:strVal val="#ppt_x"/>
+                                          </p:val>
+                                        </p:tav>
+                                        <p:tav tm="100000">
+                                          <p:val>
+                                            <p:strVal val="#ppt_x"/>
+                                          </p:val>
+                                        </p:tav>
+                                      </p:tavLst>
+                                    </p:anim>
+                                    <p:anim calcmode="lin" valueType="num">
+                                      <p:cBhvr>
+                                        <p:cTn id="9" dur="1000" fill="hold"/>
+                                        <p:tgtEl>
+                                          <p:spTgt spid="3">
+                                            <p:bg/>
+                                          </p:spTgt>
+                                        </p:tgtEl>
+                                        <p:attrNameLst>
+                                          <p:attrName>ppt_y</p:attrName>
+                                        </p:attrNameLst>
+                                      </p:cBhvr>
+                                      <p:tavLst>
+                                        <p:tav tm="0">
+                                          <p:val>
+                                            <p:strVal val="#ppt_y+.1"/>
+                                          </p:val>
+                                        </p:tav>
+                                        <p:tav tm="100000">
+                                          <p:val>
+                                            <p:strVal val="#ppt_y"/>
+                                          </p:val>
+                                        </p:tav>
+                                      </p:tavLst>
+                                    </p:anim>
+                                  </p:childTnLst>
+                                </p:cTn>
+                              </p:par>
+                            </p:childTnLst>
+                          </p:cTn>
+                        </p:par>
+                      </p:childTnLst>
+                    </p:cTn>
+                  </p:par>
+                  <p:par>
+                    <p:cTn id="10" fill="hold">
+                      <p:stCondLst>
+                        <p:cond delay="indefinite"/>
+                      </p:stCondLst>
+                      <p:childTnLst>
+                        <p:par>
+                          <p:cTn id="11" fill="hold">
+                            <p:stCondLst>
+                              <p:cond delay="0"/>
+                            </p:stCondLst>
+                            <p:childTnLst>
+                              <p:par>
+                                <p:cTn id="12" presetID="42" presetClass="entr" presetSubtype="0" fill="hold" grpId="0" nodeType="clickEffect">
+                                  <p:stCondLst>
+                                    <p:cond delay="0"/>
+                                  </p:stCondLst>
+                                  <p:childTnLst>
+                                    <p:set>
+                                      <p:cBhvr>
+                                        <p:cTn id="13" dur="1" fill="hold">
+                                          <p:stCondLst>
+                                            <p:cond delay="0"/>
+                                          </p:stCondLst>
+                                        </p:cTn>
+                                        <p:tgtEl>
+                                          <p:spTgt spid="3">
+                                            <p:txEl>
+                                              <p:pRg st="0" end="0"/>
+                                            </p:txEl>
+                                          </p:spTgt>
+                                        </p:tgtEl>
+                                        <p:attrNameLst>
+                                          <p:attrName>style.visibility</p:attrName>
+                                        </p:attrNameLst>
+                                      </p:cBhvr>
+                                      <p:to>
+                                        <p:strVal val="visible"/>
+                                      </p:to>
+                                    </p:set>
+                                    <p:animEffect transition="in" filter="fade">
+                                      <p:cBhvr>
+                                        <p:cTn id="14" dur="1000"/>
+                                        <p:tgtEl>
+                                          <p:spTgt spid="3">
+                                            <p:txEl>
+                                              <p:pRg st="0" end="0"/>
+                                            </p:txEl>
+                                          </p:spTgt>
+                                        </p:tgtEl>
+                                      </p:cBhvr>
+                                    </p:animEffect>
+                                    <p:anim calcmode="lin" valueType="num">
+                                      <p:cBhvr>
+                                        <p:cTn id="15" dur="1000" fill="hold"/>
+                                        <p:tgtEl>
+                                          <p:spTgt spid="3">
+                                            <p:txEl>
+                                              <p:pRg st="0" end="0"/>
+                                            </p:txEl>
+                                          </p:spTgt>
+                                        </p:tgtEl>
+                                        <p:attrNameLst>
+                                          <p:attrName>ppt_x</p:attrName>
+                                        </p:attrNameLst>
+                                      </p:cBhvr>
+                                      <p:tavLst>
+                                        <p:tav tm="0">
+                                          <p:val>
+                                            <p:strVal val="#ppt_x"/>
+                                          </p:val>
+                                        </p:tav>
+                                        <p:tav tm="100000">
+                                          <p:val>
+                                            <p:strVal val="#ppt_x"/>
+                                          </p:val>
+                                        </p:tav>
+                                      </p:tavLst>
+                                    </p:anim>
+                                    <p:anim calcmode="lin" valueType="num">
+                                      <p:cBhvr>
+                                        <p:cTn id="16" dur="1000" fill="hold"/>
+                                        <p:tgtEl>
+                                          <p:spTgt spid="3">
+                                            <p:txEl>
+                                              <p:pRg st="0" end="0"/>
+                                            </p:txEl>
+                                          </p:spTgt>
+                                        </p:tgtEl>
+                                        <p:attrNameLst>
+                                          <p:attrName>ppt_y</p:attrName>
+                                        </p:attrNameLst>
+                                      </p:cBhvr>
+                                      <p:tavLst>
+                                        <p:tav tm="0">
+                                          <p:val>
+                                            <p:strVal val="#ppt_y+.1"/>
+                                          </p:val>
+                                        </p:tav>
+                                        <p:tav tm="100000">
+                                          <p:val>
+                                            <p:strVal val="#ppt_y"/>
+                                          </p:val>
+                                        </p:tav>
+                                      </p:tavLst>
+                                    </p:anim>
+                                  </p:childTnLst>
+                                </p:cTn>
+                              </p:par>
+                            </p:childTnLst>
+                          </p:cTn>
+                        </p:par>
+                      </p:childTnLst>
+                    </p:cTn>
+                  </p:par>
+                </p:childTnLst>
+              </p:cTn>
+              <p:prevCondLst>
+                <p:cond evt="onPrev" delay="0">
+                  <p:tgtEl>
+                    <p:sldTgt/>
+                  </p:tgtEl>
+                </p:cond>
+              </p:prevCondLst>
+              <p:nextCondLst>
+                <p:cond evt="onNext" delay="0">
+                  <p:tgtEl>
+                    <p:sldTgt/>
+                  </p:tgtEl>
+                </p:cond>
+              </p:nextCondLst>
+            </p:seq>
+          </p:childTnLst>
+        </p:cTn>
+      </p:par>
+    </p:tnLst>
+    <p:bldLst>
+      <p:bldP spid="3" grpId="0" build="p" animBg="1"/>
+    </p:bldLst>
+  </p:timing>
+</p:sld>
+</file>
+
+<file path=ppt/slides/slide47.xml><?xml version="1.0" encoding="utf-8"?>
+<p:sld xmlns:a="http://schemas.openxmlformats.org/drawingml/2006/main" xmlns:r="http://schemas.openxmlformats.org/officeDocument/2006/relationships" xmlns:p="http://schemas.openxmlformats.org/presentationml/2006/main">
+  <p:cSld>
+    <p:spTree>
+      <p:nvGrpSpPr>
+        <p:cNvPr id="1" name=""/>
+        <p:cNvGrpSpPr/>
+        <p:nvPr/>
+      </p:nvGrpSpPr>
+      <p:grpSpPr>
+        <a:xfrm>
+          <a:off x="0" y="0"/>
+          <a:ext cx="0" cy="0"/>
+          <a:chOff x="0" y="0"/>
+          <a:chExt cx="0" cy="0"/>
+        </a:xfrm>
+      </p:grpSpPr>
+      <p:pic>
+        <p:nvPicPr>
+          <p:cNvPr id="14" name="Picture 3">
+            <a:extLst>
+              <a:ext uri="{FF2B5EF4-FFF2-40B4-BE49-F238E27FC236}">
+                <a16:creationId xmlns:a16="http://schemas.microsoft.com/office/drawing/2014/main" id="{1685F8E3-7316-4E68-90DF-EB8C830CC777}"/>
+              </a:ext>
+            </a:extLst>
+          </p:cNvPr>
+          <p:cNvPicPr>
+            <a:picLocks noChangeAspect="1"/>
+          </p:cNvPicPr>
+          <p:nvPr/>
+        </p:nvPicPr>
+        <p:blipFill rotWithShape="1">
+          <a:blip r:embed="rId2">
+            <a:alphaModFix amt="40000"/>
+          </a:blip>
+          <a:srcRect t="15730"/>
+          <a:stretch/>
+        </p:blipFill>
+        <p:spPr>
+          <a:xfrm>
+            <a:off x="-1" y="10"/>
+            <a:ext cx="12191999" cy="6857990"/>
+          </a:xfrm>
+          <a:prstGeom prst="rect">
+            <a:avLst/>
+          </a:prstGeom>
+        </p:spPr>
+      </p:pic>
+      <p:sp>
+        <p:nvSpPr>
+          <p:cNvPr id="2" name="Title 1">
+            <a:extLst>
+              <a:ext uri="{FF2B5EF4-FFF2-40B4-BE49-F238E27FC236}">
+                <a16:creationId xmlns:a16="http://schemas.microsoft.com/office/drawing/2014/main" id="{C8CA60FD-BAF8-4DB7-9B79-E67E9C85E1AE}"/>
+              </a:ext>
+            </a:extLst>
+          </p:cNvPr>
+          <p:cNvSpPr>
+            <a:spLocks noGrp="1"/>
+          </p:cNvSpPr>
+          <p:nvPr>
+            <p:ph type="ctrTitle"/>
+          </p:nvPr>
+        </p:nvSpPr>
+        <p:spPr>
+          <a:xfrm>
+            <a:off x="-199010" y="3448050"/>
+            <a:ext cx="12000484" cy="2450595"/>
+          </a:xfrm>
+          <a:solidFill>
+            <a:srgbClr val="002060"/>
+          </a:solidFill>
+          <a:scene3d>
+            <a:camera prst="perspectiveLeft"/>
+            <a:lightRig rig="threePt" dir="t"/>
+          </a:scene3d>
+        </p:spPr>
+        <p:txBody>
+          <a:bodyPr>
+            <a:noAutofit/>
+          </a:bodyPr>
+          <a:lstStyle/>
+          <a:p>
+            <a:pPr algn="ctr"/>
+            <a:r>
+              <a:rPr lang="en-IN" sz="7200" b="1" dirty="0">
+                <a:solidFill>
+                  <a:srgbClr val="FF0000"/>
+                </a:solidFill>
+                <a:latin typeface="Algerian" panose="04020705040A02060702" pitchFamily="82" charset="0"/>
+              </a:rPr>
+              <a:t>Services in PCF</a:t>
+            </a:r>
+            <a:endParaRPr lang="en-IN" sz="3200" b="1" dirty="0">
+              <a:solidFill>
+                <a:srgbClr val="FF0000"/>
+              </a:solidFill>
+              <a:latin typeface="Algerian" panose="04020705040A02060702" pitchFamily="82" charset="0"/>
+            </a:endParaRPr>
+          </a:p>
+        </p:txBody>
+      </p:sp>
+      <p:sp>
+        <p:nvSpPr>
+          <p:cNvPr id="3" name="Subtitle 2">
+            <a:extLst>
+              <a:ext uri="{FF2B5EF4-FFF2-40B4-BE49-F238E27FC236}">
+                <a16:creationId xmlns:a16="http://schemas.microsoft.com/office/drawing/2014/main" id="{B977A0A5-210F-43CE-92F3-26EBBDBF9A7F}"/>
+              </a:ext>
+            </a:extLst>
+          </p:cNvPr>
+          <p:cNvSpPr>
+            <a:spLocks noGrp="1"/>
+          </p:cNvSpPr>
+          <p:nvPr>
+            <p:ph type="subTitle" idx="1"/>
+          </p:nvPr>
+        </p:nvSpPr>
+        <p:spPr>
+          <a:xfrm>
+            <a:off x="4991098" y="6009693"/>
+            <a:ext cx="2209800" cy="381000"/>
+          </a:xfrm>
+          <a:solidFill>
+            <a:schemeClr val="bg2">
+              <a:lumMod val="50000"/>
+            </a:schemeClr>
+          </a:solidFill>
+        </p:spPr>
+        <p:txBody>
+          <a:bodyPr>
+            <a:normAutofit/>
+          </a:bodyPr>
+          <a:lstStyle/>
+          <a:p>
+            <a:pPr algn="ctr"/>
+            <a:r>
+              <a:rPr lang="en-IN" b="1" dirty="0">
+                <a:solidFill>
+                  <a:srgbClr val="92D050"/>
+                </a:solidFill>
+              </a:rPr>
+              <a:t>-- #</a:t>
+            </a:r>
+            <a:r>
+              <a:rPr lang="en-IN" b="1" dirty="0" err="1">
+                <a:solidFill>
+                  <a:srgbClr val="92D050"/>
+                </a:solidFill>
+              </a:rPr>
+              <a:t>greenlearner</a:t>
+            </a:r>
+            <a:r>
+              <a:rPr lang="en-IN" b="1" dirty="0">
+                <a:solidFill>
+                  <a:srgbClr val="92D050"/>
+                </a:solidFill>
+              </a:rPr>
+              <a:t> --</a:t>
+            </a:r>
+          </a:p>
+        </p:txBody>
+      </p:sp>
+      <p:sp>
+        <p:nvSpPr>
+          <p:cNvPr id="6" name="Rectangle: Diagonal Corners Snipped 5">
+            <a:extLst>
+              <a:ext uri="{FF2B5EF4-FFF2-40B4-BE49-F238E27FC236}">
+                <a16:creationId xmlns:a16="http://schemas.microsoft.com/office/drawing/2014/main" id="{7F68A108-61ED-4A2D-8AA6-DD65D3D355F6}"/>
+              </a:ext>
+            </a:extLst>
+          </p:cNvPr>
+          <p:cNvSpPr/>
+          <p:nvPr/>
+        </p:nvSpPr>
+        <p:spPr>
+          <a:xfrm>
+            <a:off x="10925175" y="-9525"/>
+            <a:ext cx="1266823" cy="800100"/>
+          </a:xfrm>
+          <a:prstGeom prst="snip2DiagRect">
+            <a:avLst/>
+          </a:prstGeom>
+          <a:solidFill>
+            <a:srgbClr val="92D050"/>
+          </a:solidFill>
+        </p:spPr>
+        <p:style>
+          <a:lnRef idx="2">
+            <a:schemeClr val="accent1">
+              <a:shade val="50000"/>
+            </a:schemeClr>
+          </a:lnRef>
+          <a:fillRef idx="1">
+            <a:schemeClr val="accent1"/>
+          </a:fillRef>
+          <a:effectRef idx="0">
+            <a:schemeClr val="accent1"/>
+          </a:effectRef>
+          <a:fontRef idx="minor">
+            <a:schemeClr val="lt1"/>
+          </a:fontRef>
+        </p:style>
+        <p:txBody>
+          <a:bodyPr rtlCol="0" anchor="ctr"/>
+          <a:lstStyle/>
+          <a:p>
+            <a:pPr algn="ctr"/>
+            <a:r>
+              <a:rPr lang="en-IN" sz="3200"/>
+              <a:t>#16</a:t>
+            </a:r>
+            <a:endParaRPr lang="en-IN" sz="3200" dirty="0"/>
+          </a:p>
+        </p:txBody>
+      </p:sp>
+      <p:pic>
+        <p:nvPicPr>
+          <p:cNvPr id="11" name="Picture 10">
+            <a:extLst>
+              <a:ext uri="{FF2B5EF4-FFF2-40B4-BE49-F238E27FC236}">
+                <a16:creationId xmlns:a16="http://schemas.microsoft.com/office/drawing/2014/main" id="{966E71A7-952F-453F-A6DD-9DD1C96EC0E7}"/>
+              </a:ext>
+            </a:extLst>
+          </p:cNvPr>
+          <p:cNvPicPr>
+            <a:picLocks noChangeAspect="1"/>
+          </p:cNvPicPr>
+          <p:nvPr/>
+        </p:nvPicPr>
+        <p:blipFill>
+          <a:blip r:embed="rId3">
+            <a:extLst>
+              <a:ext uri="{28A0092B-C50C-407E-A947-70E740481C1C}">
+                <a14:useLocalDpi xmlns:a14="http://schemas.microsoft.com/office/drawing/2010/main" val="0"/>
+              </a:ext>
+            </a:extLst>
+          </a:blip>
+          <a:stretch>
+            <a:fillRect/>
+          </a:stretch>
+        </p:blipFill>
+        <p:spPr>
+          <a:xfrm>
+            <a:off x="2200276" y="541712"/>
+            <a:ext cx="8724899" cy="3344487"/>
+          </a:xfrm>
+          <a:prstGeom prst="rect">
+            <a:avLst/>
+          </a:prstGeom>
+        </p:spPr>
+      </p:pic>
+      <p:sp>
+        <p:nvSpPr>
+          <p:cNvPr id="13" name="Rectangle 12">
+            <a:extLst>
+              <a:ext uri="{FF2B5EF4-FFF2-40B4-BE49-F238E27FC236}">
+                <a16:creationId xmlns:a16="http://schemas.microsoft.com/office/drawing/2014/main" id="{1909EE15-70C2-4319-92F4-DA7346AD9C96}"/>
+              </a:ext>
+            </a:extLst>
+          </p:cNvPr>
+          <p:cNvSpPr/>
+          <p:nvPr/>
+        </p:nvSpPr>
+        <p:spPr>
+          <a:xfrm>
+            <a:off x="2200274" y="657807"/>
+            <a:ext cx="3219451" cy="1561518"/>
+          </a:xfrm>
+          <a:prstGeom prst="rect">
+            <a:avLst/>
+          </a:prstGeom>
+          <a:solidFill>
+            <a:schemeClr val="accent2"/>
+          </a:solidFill>
+        </p:spPr>
+        <p:style>
+          <a:lnRef idx="2">
+            <a:schemeClr val="accent1">
+              <a:shade val="50000"/>
+            </a:schemeClr>
+          </a:lnRef>
+          <a:fillRef idx="1">
+            <a:schemeClr val="accent1"/>
+          </a:fillRef>
+          <a:effectRef idx="0">
+            <a:schemeClr val="accent1"/>
+          </a:effectRef>
+          <a:fontRef idx="minor">
+            <a:schemeClr val="lt1"/>
+          </a:fontRef>
+        </p:style>
+        <p:txBody>
+          <a:bodyPr rtlCol="0" anchor="ctr"/>
+          <a:lstStyle/>
+          <a:p>
+            <a:pPr algn="ctr"/>
+            <a:r>
+              <a:rPr lang="en-IN" sz="2800" dirty="0">
+                <a:solidFill>
+                  <a:srgbClr val="00B050"/>
+                </a:solidFill>
+                <a:latin typeface="Algerian" panose="04020705040A02060702" pitchFamily="82" charset="0"/>
+              </a:rPr>
+              <a:t>MICROSERVICES</a:t>
+            </a:r>
+          </a:p>
+          <a:p>
+            <a:pPr algn="ctr"/>
+            <a:r>
+              <a:rPr lang="en-IN" sz="2800" dirty="0">
+                <a:solidFill>
+                  <a:srgbClr val="00B050"/>
+                </a:solidFill>
+                <a:latin typeface="Algerian" panose="04020705040A02060702" pitchFamily="82" charset="0"/>
+              </a:rPr>
+              <a:t>AND</a:t>
+            </a:r>
+          </a:p>
+          <a:p>
+            <a:pPr algn="ctr"/>
+            <a:r>
+              <a:rPr lang="en-IN" sz="2800" dirty="0">
+                <a:solidFill>
+                  <a:srgbClr val="00B050"/>
+                </a:solidFill>
+                <a:latin typeface="Algerian" panose="04020705040A02060702" pitchFamily="82" charset="0"/>
+              </a:rPr>
+              <a:t>CLOUD FOUNDRY</a:t>
+            </a:r>
+          </a:p>
+        </p:txBody>
+      </p:sp>
+      <p:sp>
+        <p:nvSpPr>
+          <p:cNvPr id="23" name="Rectangle: Rounded Corners 22">
+            <a:extLst>
+              <a:ext uri="{FF2B5EF4-FFF2-40B4-BE49-F238E27FC236}">
+                <a16:creationId xmlns:a16="http://schemas.microsoft.com/office/drawing/2014/main" id="{38CBEF94-4B9F-4698-BA43-CF1050C17CB4}"/>
+              </a:ext>
+            </a:extLst>
+          </p:cNvPr>
+          <p:cNvSpPr/>
+          <p:nvPr/>
+        </p:nvSpPr>
+        <p:spPr>
+          <a:xfrm>
+            <a:off x="0" y="0"/>
+            <a:ext cx="1162050" cy="381000"/>
+          </a:xfrm>
+          <a:prstGeom prst="roundRect">
+            <a:avLst/>
+          </a:prstGeom>
+        </p:spPr>
+        <p:style>
+          <a:lnRef idx="2">
+            <a:schemeClr val="accent1">
+              <a:shade val="50000"/>
+            </a:schemeClr>
+          </a:lnRef>
+          <a:fillRef idx="1">
+            <a:schemeClr val="accent1"/>
+          </a:fillRef>
+          <a:effectRef idx="0">
+            <a:schemeClr val="accent1"/>
+          </a:effectRef>
+          <a:fontRef idx="minor">
+            <a:schemeClr val="lt1"/>
+          </a:fontRef>
+        </p:style>
+        <p:txBody>
+          <a:bodyPr rtlCol="0" anchor="ctr"/>
+          <a:lstStyle/>
+          <a:p>
+            <a:pPr algn="ctr"/>
+            <a:r>
+              <a:rPr lang="en-IN" dirty="0"/>
+              <a:t>ARVIND</a:t>
+            </a:r>
+          </a:p>
+        </p:txBody>
+      </p:sp>
+    </p:spTree>
+    <p:extLst>
+      <p:ext uri="{BB962C8B-B14F-4D97-AF65-F5344CB8AC3E}">
+        <p14:creationId xmlns:p14="http://schemas.microsoft.com/office/powerpoint/2010/main" val="1804213466"/>
+      </p:ext>
+    </p:extLst>
+  </p:cSld>
+  <p:clrMapOvr>
+    <a:masterClrMapping/>
+  </p:clrMapOvr>
+</p:sld>
+</file>
+
+<file path=ppt/slides/slide48.xml><?xml version="1.0" encoding="utf-8"?>
+<p:sld xmlns:a="http://schemas.openxmlformats.org/drawingml/2006/main" xmlns:r="http://schemas.openxmlformats.org/officeDocument/2006/relationships" xmlns:p="http://schemas.openxmlformats.org/presentationml/2006/main">
+  <p:cSld>
+    <p:spTree>
+      <p:nvGrpSpPr>
+        <p:cNvPr id="1" name=""/>
+        <p:cNvGrpSpPr/>
+        <p:nvPr/>
+      </p:nvGrpSpPr>
+      <p:grpSpPr>
+        <a:xfrm>
+          <a:off x="0" y="0"/>
+          <a:ext cx="0" cy="0"/>
+          <a:chOff x="0" y="0"/>
+          <a:chExt cx="0" cy="0"/>
+        </a:xfrm>
+      </p:grpSpPr>
+      <p:sp>
+        <p:nvSpPr>
+          <p:cNvPr id="2" name="Title 1">
+            <a:extLst>
+              <a:ext uri="{FF2B5EF4-FFF2-40B4-BE49-F238E27FC236}">
+                <a16:creationId xmlns:a16="http://schemas.microsoft.com/office/drawing/2014/main" id="{CC467DF9-5121-449E-BE9E-D21B2DCC5F9D}"/>
+              </a:ext>
+            </a:extLst>
+          </p:cNvPr>
+          <p:cNvSpPr>
+            <a:spLocks noGrp="1"/>
+          </p:cNvSpPr>
+          <p:nvPr>
+            <p:ph type="title"/>
+          </p:nvPr>
+        </p:nvSpPr>
+        <p:spPr>
+          <a:solidFill>
+            <a:schemeClr val="accent2">
+              <a:lumMod val="20000"/>
+              <a:lumOff val="80000"/>
+            </a:schemeClr>
+          </a:solidFill>
+        </p:spPr>
+        <p:txBody>
+          <a:bodyPr/>
+          <a:lstStyle/>
+          <a:p>
+            <a:r>
+              <a:rPr lang="en-IN" dirty="0"/>
+              <a:t>Services</a:t>
+            </a:r>
+          </a:p>
+        </p:txBody>
+      </p:sp>
+      <p:sp>
+        <p:nvSpPr>
+          <p:cNvPr id="3" name="Content Placeholder 2">
+            <a:extLst>
+              <a:ext uri="{FF2B5EF4-FFF2-40B4-BE49-F238E27FC236}">
+                <a16:creationId xmlns:a16="http://schemas.microsoft.com/office/drawing/2014/main" id="{F37DD19B-0598-4B4D-BF8A-02BE9B5CF78E}"/>
+              </a:ext>
+            </a:extLst>
+          </p:cNvPr>
+          <p:cNvSpPr>
+            <a:spLocks noGrp="1"/>
+          </p:cNvSpPr>
+          <p:nvPr>
+            <p:ph idx="1"/>
+          </p:nvPr>
+        </p:nvSpPr>
+        <p:spPr>
+          <a:solidFill>
+            <a:schemeClr val="accent5">
+              <a:lumMod val="20000"/>
+              <a:lumOff val="80000"/>
+            </a:schemeClr>
+          </a:solidFill>
+        </p:spPr>
+        <p:txBody>
+          <a:bodyPr>
+            <a:normAutofit/>
+          </a:bodyPr>
+          <a:lstStyle/>
+          <a:p>
+            <a:r>
+              <a:rPr lang="en-IN" sz="2000" dirty="0"/>
+              <a:t>Marketplaces</a:t>
+            </a:r>
+          </a:p>
+          <a:p>
+            <a:r>
+              <a:rPr lang="en-IN" sz="2000" dirty="0"/>
+              <a:t>User defined</a:t>
+            </a:r>
+          </a:p>
+        </p:txBody>
+      </p:sp>
+    </p:spTree>
+    <p:extLst>
+      <p:ext uri="{BB962C8B-B14F-4D97-AF65-F5344CB8AC3E}">
+        <p14:creationId xmlns:p14="http://schemas.microsoft.com/office/powerpoint/2010/main" val="562554194"/>
+      </p:ext>
+    </p:extLst>
+  </p:cSld>
+  <p:clrMapOvr>
+    <a:masterClrMapping/>
+  </p:clrMapOvr>
+  <p:timing>
+    <p:tnLst>
+      <p:par>
+        <p:cTn id="1" dur="indefinite" restart="never" nodeType="tmRoot">
+          <p:childTnLst>
+            <p:seq concurrent="1" nextAc="seek">
+              <p:cTn id="2" dur="indefinite" nodeType="mainSeq">
+                <p:childTnLst>
+                  <p:par>
+                    <p:cTn id="3" fill="hold">
+                      <p:stCondLst>
+                        <p:cond delay="indefinite"/>
+                      </p:stCondLst>
+                      <p:childTnLst>
+                        <p:par>
+                          <p:cTn id="4" fill="hold">
+                            <p:stCondLst>
+                              <p:cond delay="0"/>
+                            </p:stCondLst>
+                            <p:childTnLst>
+                              <p:par>
+                                <p:cTn id="5" presetID="42" presetClass="entr" presetSubtype="0" fill="hold" grpId="0" nodeType="clickEffect">
+                                  <p:stCondLst>
+                                    <p:cond delay="0"/>
+                                  </p:stCondLst>
+                                  <p:childTnLst>
+                                    <p:set>
+                                      <p:cBhvr>
+                                        <p:cTn id="6" dur="1" fill="hold">
+                                          <p:stCondLst>
+                                            <p:cond delay="0"/>
+                                          </p:stCondLst>
+                                        </p:cTn>
+                                        <p:tgtEl>
+                                          <p:spTgt spid="3">
+                                            <p:bg/>
+                                          </p:spTgt>
+                                        </p:tgtEl>
+                                        <p:attrNameLst>
+                                          <p:attrName>style.visibility</p:attrName>
+                                        </p:attrNameLst>
+                                      </p:cBhvr>
+                                      <p:to>
+                                        <p:strVal val="visible"/>
+                                      </p:to>
+                                    </p:set>
+                                    <p:animEffect transition="in" filter="fade">
+                                      <p:cBhvr>
+                                        <p:cTn id="7" dur="1000"/>
+                                        <p:tgtEl>
+                                          <p:spTgt spid="3">
+                                            <p:bg/>
+                                          </p:spTgt>
+                                        </p:tgtEl>
+                                      </p:cBhvr>
+                                    </p:animEffect>
+                                    <p:anim calcmode="lin" valueType="num">
+                                      <p:cBhvr>
+                                        <p:cTn id="8" dur="1000" fill="hold"/>
+                                        <p:tgtEl>
+                                          <p:spTgt spid="3">
+                                            <p:bg/>
+                                          </p:spTgt>
+                                        </p:tgtEl>
+                                        <p:attrNameLst>
+                                          <p:attrName>ppt_x</p:attrName>
+                                        </p:attrNameLst>
+                                      </p:cBhvr>
+                                      <p:tavLst>
+                                        <p:tav tm="0">
+                                          <p:val>
+                                            <p:strVal val="#ppt_x"/>
+                                          </p:val>
+                                        </p:tav>
+                                        <p:tav tm="100000">
+                                          <p:val>
+                                            <p:strVal val="#ppt_x"/>
+                                          </p:val>
+                                        </p:tav>
+                                      </p:tavLst>
+                                    </p:anim>
+                                    <p:anim calcmode="lin" valueType="num">
+                                      <p:cBhvr>
+                                        <p:cTn id="9" dur="1000" fill="hold"/>
+                                        <p:tgtEl>
+                                          <p:spTgt spid="3">
+                                            <p:bg/>
+                                          </p:spTgt>
+                                        </p:tgtEl>
+                                        <p:attrNameLst>
+                                          <p:attrName>ppt_y</p:attrName>
+                                        </p:attrNameLst>
+                                      </p:cBhvr>
+                                      <p:tavLst>
+                                        <p:tav tm="0">
+                                          <p:val>
+                                            <p:strVal val="#ppt_y+.1"/>
+                                          </p:val>
+                                        </p:tav>
+                                        <p:tav tm="100000">
+                                          <p:val>
+                                            <p:strVal val="#ppt_y"/>
+                                          </p:val>
+                                        </p:tav>
+                                      </p:tavLst>
+                                    </p:anim>
+                                  </p:childTnLst>
+                                </p:cTn>
+                              </p:par>
+                            </p:childTnLst>
+                          </p:cTn>
+                        </p:par>
+                      </p:childTnLst>
+                    </p:cTn>
+                  </p:par>
+                  <p:par>
+                    <p:cTn id="10" fill="hold">
+                      <p:stCondLst>
+                        <p:cond delay="indefinite"/>
+                      </p:stCondLst>
+                      <p:childTnLst>
+                        <p:par>
+                          <p:cTn id="11" fill="hold">
+                            <p:stCondLst>
+                              <p:cond delay="0"/>
+                            </p:stCondLst>
+                            <p:childTnLst>
+                              <p:par>
+                                <p:cTn id="12" presetID="42" presetClass="entr" presetSubtype="0" fill="hold" grpId="0" nodeType="clickEffect">
+                                  <p:stCondLst>
+                                    <p:cond delay="0"/>
+                                  </p:stCondLst>
+                                  <p:childTnLst>
+                                    <p:set>
+                                      <p:cBhvr>
+                                        <p:cTn id="13" dur="1" fill="hold">
+                                          <p:stCondLst>
+                                            <p:cond delay="0"/>
+                                          </p:stCondLst>
+                                        </p:cTn>
+                                        <p:tgtEl>
+                                          <p:spTgt spid="3">
+                                            <p:txEl>
+                                              <p:pRg st="0" end="0"/>
+                                            </p:txEl>
+                                          </p:spTgt>
+                                        </p:tgtEl>
+                                        <p:attrNameLst>
+                                          <p:attrName>style.visibility</p:attrName>
+                                        </p:attrNameLst>
+                                      </p:cBhvr>
+                                      <p:to>
+                                        <p:strVal val="visible"/>
+                                      </p:to>
+                                    </p:set>
+                                    <p:animEffect transition="in" filter="fade">
+                                      <p:cBhvr>
+                                        <p:cTn id="14" dur="1000"/>
+                                        <p:tgtEl>
+                                          <p:spTgt spid="3">
+                                            <p:txEl>
+                                              <p:pRg st="0" end="0"/>
+                                            </p:txEl>
+                                          </p:spTgt>
+                                        </p:tgtEl>
+                                      </p:cBhvr>
+                                    </p:animEffect>
+                                    <p:anim calcmode="lin" valueType="num">
+                                      <p:cBhvr>
+                                        <p:cTn id="15" dur="1000" fill="hold"/>
+                                        <p:tgtEl>
+                                          <p:spTgt spid="3">
+                                            <p:txEl>
+                                              <p:pRg st="0" end="0"/>
+                                            </p:txEl>
+                                          </p:spTgt>
+                                        </p:tgtEl>
+                                        <p:attrNameLst>
+                                          <p:attrName>ppt_x</p:attrName>
+                                        </p:attrNameLst>
+                                      </p:cBhvr>
+                                      <p:tavLst>
+                                        <p:tav tm="0">
+                                          <p:val>
+                                            <p:strVal val="#ppt_x"/>
+                                          </p:val>
+                                        </p:tav>
+                                        <p:tav tm="100000">
+                                          <p:val>
+                                            <p:strVal val="#ppt_x"/>
+                                          </p:val>
+                                        </p:tav>
+                                      </p:tavLst>
+                                    </p:anim>
+                                    <p:anim calcmode="lin" valueType="num">
+                                      <p:cBhvr>
+                                        <p:cTn id="16" dur="1000" fill="hold"/>
+                                        <p:tgtEl>
+                                          <p:spTgt spid="3">
+                                            <p:txEl>
+                                              <p:pRg st="0" end="0"/>
+                                            </p:txEl>
+                                          </p:spTgt>
+                                        </p:tgtEl>
+                                        <p:attrNameLst>
+                                          <p:attrName>ppt_y</p:attrName>
+                                        </p:attrNameLst>
+                                      </p:cBhvr>
+                                      <p:tavLst>
+                                        <p:tav tm="0">
+                                          <p:val>
+                                            <p:strVal val="#ppt_y+.1"/>
+                                          </p:val>
+                                        </p:tav>
+                                        <p:tav tm="100000">
+                                          <p:val>
+                                            <p:strVal val="#ppt_y"/>
+                                          </p:val>
+                                        </p:tav>
+                                      </p:tavLst>
+                                    </p:anim>
+                                  </p:childTnLst>
+                                </p:cTn>
+                              </p:par>
+                            </p:childTnLst>
+                          </p:cTn>
+                        </p:par>
+                      </p:childTnLst>
+                    </p:cTn>
+                  </p:par>
+                  <p:par>
+                    <p:cTn id="17" fill="hold">
+                      <p:stCondLst>
+                        <p:cond delay="indefinite"/>
+                      </p:stCondLst>
+                      <p:childTnLst>
+                        <p:par>
+                          <p:cTn id="18" fill="hold">
+                            <p:stCondLst>
+                              <p:cond delay="0"/>
+                            </p:stCondLst>
+                            <p:childTnLst>
+                              <p:par>
+                                <p:cTn id="19" presetID="42" presetClass="entr" presetSubtype="0" fill="hold" grpId="0" nodeType="clickEffect">
+                                  <p:stCondLst>
+                                    <p:cond delay="0"/>
+                                  </p:stCondLst>
+                                  <p:childTnLst>
+                                    <p:set>
+                                      <p:cBhvr>
+                                        <p:cTn id="20" dur="1" fill="hold">
+                                          <p:stCondLst>
+                                            <p:cond delay="0"/>
+                                          </p:stCondLst>
+                                        </p:cTn>
+                                        <p:tgtEl>
+                                          <p:spTgt spid="3">
+                                            <p:txEl>
+                                              <p:pRg st="1" end="1"/>
+                                            </p:txEl>
+                                          </p:spTgt>
+                                        </p:tgtEl>
+                                        <p:attrNameLst>
+                                          <p:attrName>style.visibility</p:attrName>
+                                        </p:attrNameLst>
+                                      </p:cBhvr>
+                                      <p:to>
+                                        <p:strVal val="visible"/>
+                                      </p:to>
+                                    </p:set>
+                                    <p:animEffect transition="in" filter="fade">
+                                      <p:cBhvr>
+                                        <p:cTn id="21" dur="1000"/>
+                                        <p:tgtEl>
+                                          <p:spTgt spid="3">
+                                            <p:txEl>
+                                              <p:pRg st="1" end="1"/>
+                                            </p:txEl>
+                                          </p:spTgt>
+                                        </p:tgtEl>
+                                      </p:cBhvr>
+                                    </p:animEffect>
+                                    <p:anim calcmode="lin" valueType="num">
+                                      <p:cBhvr>
+                                        <p:cTn id="22" dur="1000" fill="hold"/>
+                                        <p:tgtEl>
+                                          <p:spTgt spid="3">
+                                            <p:txEl>
+                                              <p:pRg st="1" end="1"/>
+                                            </p:txEl>
+                                          </p:spTgt>
+                                        </p:tgtEl>
+                                        <p:attrNameLst>
+                                          <p:attrName>ppt_x</p:attrName>
+                                        </p:attrNameLst>
+                                      </p:cBhvr>
+                                      <p:tavLst>
+                                        <p:tav tm="0">
+                                          <p:val>
+                                            <p:strVal val="#ppt_x"/>
+                                          </p:val>
+                                        </p:tav>
+                                        <p:tav tm="100000">
+                                          <p:val>
+                                            <p:strVal val="#ppt_x"/>
+                                          </p:val>
+                                        </p:tav>
+                                      </p:tavLst>
+                                    </p:anim>
+                                    <p:anim calcmode="lin" valueType="num">
+                                      <p:cBhvr>
+                                        <p:cTn id="23" dur="1000" fill="hold"/>
+                                        <p:tgtEl>
+                                          <p:spTgt spid="3">
+                                            <p:txEl>
+                                              <p:pRg st="1" end="1"/>
+                                            </p:txEl>
+                                          </p:spTgt>
+                                        </p:tgtEl>
+                                        <p:attrNameLst>
+                                          <p:attrName>ppt_y</p:attrName>
+                                        </p:attrNameLst>
+                                      </p:cBhvr>
+                                      <p:tavLst>
+                                        <p:tav tm="0">
+                                          <p:val>
+                                            <p:strVal val="#ppt_y+.1"/>
+                                          </p:val>
+                                        </p:tav>
+                                        <p:tav tm="100000">
+                                          <p:val>
+                                            <p:strVal val="#ppt_y"/>
+                                          </p:val>
+                                        </p:tav>
+                                      </p:tavLst>
+                                    </p:anim>
+                                  </p:childTnLst>
+                                </p:cTn>
+                              </p:par>
+                            </p:childTnLst>
+                          </p:cTn>
+                        </p:par>
+                      </p:childTnLst>
+                    </p:cTn>
+                  </p:par>
+                </p:childTnLst>
+              </p:cTn>
+              <p:prevCondLst>
+                <p:cond evt="onPrev" delay="0">
+                  <p:tgtEl>
+                    <p:sldTgt/>
+                  </p:tgtEl>
+                </p:cond>
+              </p:prevCondLst>
+              <p:nextCondLst>
+                <p:cond evt="onNext" delay="0">
+                  <p:tgtEl>
+                    <p:sldTgt/>
+                  </p:tgtEl>
+                </p:cond>
+              </p:nextCondLst>
+            </p:seq>
+          </p:childTnLst>
+        </p:cTn>
+      </p:par>
+    </p:tnLst>
+    <p:bldLst>
+      <p:bldP spid="3" grpId="0" build="p" animBg="1"/>
+    </p:bldLst>
+  </p:timing>
+</p:sld>
+</file>
+
+<file path=ppt/slides/slide49.xml><?xml version="1.0" encoding="utf-8"?>
 <p:sld xmlns:a="http://schemas.openxmlformats.org/drawingml/2006/main" xmlns:r="http://schemas.openxmlformats.org/officeDocument/2006/relationships" xmlns:p="http://schemas.openxmlformats.org/presentationml/2006/main">
   <p:cSld>
     <p:spTree>
